--- a/notes/Propagator_Type_Inferencer.pptx
+++ b/notes/Propagator_Type_Inferencer.pptx
@@ -8,11 +8,12 @@
     <p:sldId id="256" r:id="rId2"/>
     <p:sldId id="263" r:id="rId3"/>
     <p:sldId id="257" r:id="rId4"/>
-    <p:sldId id="258" r:id="rId5"/>
-    <p:sldId id="259" r:id="rId6"/>
+    <p:sldId id="261" r:id="rId5"/>
+    <p:sldId id="258" r:id="rId6"/>
     <p:sldId id="260" r:id="rId7"/>
-    <p:sldId id="261" r:id="rId8"/>
-    <p:sldId id="262" r:id="rId9"/>
+    <p:sldId id="259" r:id="rId8"/>
+    <p:sldId id="264" r:id="rId9"/>
+    <p:sldId id="262" r:id="rId10"/>
   </p:sldIdLst>
   <p:sldSz cx="9144000" cy="6858000" type="screen4x3"/>
   <p:notesSz cx="6858000" cy="9144000"/>
@@ -3389,16 +3390,14 @@
         </p:nvSpPr>
         <p:spPr/>
         <p:txBody>
-          <a:bodyPr>
-            <a:normAutofit/>
-          </a:bodyPr>
-          <a:lstStyle/>
-          <a:p>
-            <a:r>
-              <a:rPr lang="en-US" sz="4000" dirty="0" smtClean="0"/>
-              <a:t>Evaluator Changes: Environment</a:t>
-            </a:r>
-            <a:endParaRPr lang="en-US" sz="4000" dirty="0"/>
+          <a:bodyPr/>
+          <a:lstStyle/>
+          <a:p>
+            <a:r>
+              <a:rPr lang="en-US" dirty="0" smtClean="0"/>
+              <a:t>Type Cells</a:t>
+            </a:r>
+            <a:endParaRPr lang="en-US" dirty="0"/>
           </a:p>
         </p:txBody>
       </p:sp>
@@ -3414,212 +3413,109 @@
         </p:nvSpPr>
         <p:spPr/>
         <p:txBody>
-          <a:bodyPr>
-            <a:normAutofit/>
-          </a:bodyPr>
-          <a:lstStyle/>
-          <a:p>
-            <a:pPr marL="0" indent="0">
+          <a:bodyPr/>
+          <a:lstStyle/>
+          <a:p>
+            <a:r>
+              <a:rPr lang="en-US" dirty="0" smtClean="0"/>
+              <a:t>Normal case: cell holds </a:t>
+            </a:r>
+            <a:r>
+              <a:rPr lang="en-US" dirty="0" smtClean="0">
+                <a:solidFill>
+                  <a:srgbClr val="00B0F0"/>
+                </a:solidFill>
+              </a:rPr>
+              <a:t>type interval</a:t>
+            </a:r>
+            <a:r>
+              <a:rPr lang="en-US" dirty="0" smtClean="0"/>
+              <a:t> directly</a:t>
+            </a:r>
+            <a:endParaRPr lang="en-US" dirty="0"/>
+          </a:p>
+          <a:p>
+            <a:r>
+              <a:rPr lang="en-US" dirty="0" smtClean="0"/>
+              <a:t>Procedure: cell holds </a:t>
+            </a:r>
+          </a:p>
+          <a:p>
+            <a:pPr marL="457200" lvl="1" indent="0">
               <a:buNone/>
             </a:pPr>
             <a:r>
-              <a:rPr lang="en-US" sz="2800" dirty="0" smtClean="0"/>
-              <a:t>Normal environment:</a:t>
-            </a:r>
-          </a:p>
-          <a:p>
-            <a:pPr marL="0" indent="0">
-              <a:buNone/>
-            </a:pPr>
-            <a:r>
-              <a:rPr lang="en-US" dirty="0"/>
-              <a:t>	</a:t>
+              <a:rPr lang="en-US" sz="2400" dirty="0">
+                <a:latin typeface="Consolas" pitchFamily="49" charset="0"/>
+                <a:cs typeface="Consolas" pitchFamily="49" charset="0"/>
+              </a:rPr>
+              <a:t> </a:t>
             </a:r>
             <a:r>
               <a:rPr lang="en-US" sz="2400" dirty="0" smtClean="0">
                 <a:latin typeface="Consolas" pitchFamily="49" charset="0"/>
                 <a:cs typeface="Consolas" pitchFamily="49" charset="0"/>
               </a:rPr>
-              <a:t>#((x y z) (1 2 #f) parent-</a:t>
-            </a:r>
-            <a:r>
-              <a:rPr lang="en-US" sz="2400" dirty="0" err="1" smtClean="0">
-                <a:latin typeface="Consolas" pitchFamily="49" charset="0"/>
-                <a:cs typeface="Consolas" pitchFamily="49" charset="0"/>
-              </a:rPr>
-              <a:t>env</a:t>
-            </a:r>
-            <a:r>
-              <a:rPr lang="en-US" sz="2400" dirty="0" smtClean="0">
-                <a:latin typeface="Consolas" pitchFamily="49" charset="0"/>
-                <a:cs typeface="Consolas" pitchFamily="49" charset="0"/>
-              </a:rPr>
-              <a:t>)</a:t>
+              <a:t>          (input-cells . output-cell)</a:t>
             </a:r>
           </a:p>
           <a:p>
             <a:pPr marL="0" indent="0">
               <a:buNone/>
             </a:pPr>
-            <a:r>
-              <a:rPr lang="en-US" sz="2800" dirty="0" smtClean="0"/>
-              <a:t>Our environment:</a:t>
-            </a:r>
+            <a:endParaRPr lang="en-US" dirty="0" smtClean="0">
+              <a:cs typeface="Consolas" pitchFamily="49" charset="0"/>
+            </a:endParaRPr>
           </a:p>
           <a:p>
             <a:pPr marL="0" indent="0">
               <a:buNone/>
             </a:pPr>
             <a:r>
-              <a:rPr lang="en-US" dirty="0"/>
-              <a:t>	</a:t>
-            </a:r>
-            <a:r>
-              <a:rPr lang="en-US" sz="2400" dirty="0" smtClean="0">
-                <a:latin typeface="Consolas" pitchFamily="49" charset="0"/>
-                <a:cs typeface="Consolas" pitchFamily="49" charset="0"/>
-              </a:rPr>
-              <a:t>#((x y z) (1 2 #f) </a:t>
-            </a:r>
-          </a:p>
-          <a:p>
-            <a:pPr marL="0" indent="0">
-              <a:buNone/>
-            </a:pPr>
-            <a:r>
-              <a:rPr lang="en-US" sz="2400" dirty="0">
+              <a:rPr lang="en-US" dirty="0" smtClean="0">
                 <a:solidFill>
                   <a:srgbClr val="00B0F0"/>
                 </a:solidFill>
-                <a:latin typeface="Consolas" pitchFamily="49" charset="0"/>
                 <a:cs typeface="Consolas" pitchFamily="49" charset="0"/>
               </a:rPr>
-              <a:t>	</a:t>
-            </a:r>
-            <a:r>
-              <a:rPr lang="en-US" sz="2400" dirty="0" smtClean="0">
-                <a:solidFill>
-                  <a:srgbClr val="00B0F0"/>
-                </a:solidFill>
-                <a:latin typeface="Consolas" pitchFamily="49" charset="0"/>
+              <a:t>type interval</a:t>
+            </a:r>
+            <a:r>
+              <a:rPr lang="en-US" dirty="0">
                 <a:cs typeface="Consolas" pitchFamily="49" charset="0"/>
               </a:rPr>
-              <a:t>   (x-type-cell y-type-cell z-type-cell)</a:t>
-            </a:r>
-            <a:endParaRPr lang="en-US" sz="2400" dirty="0" smtClean="0">
-              <a:solidFill>
-                <a:schemeClr val="tx1">
-                  <a:lumMod val="95000"/>
-                  <a:lumOff val="5000"/>
-                </a:schemeClr>
-              </a:solidFill>
-              <a:latin typeface="Consolas" pitchFamily="49" charset="0"/>
-              <a:cs typeface="Consolas" pitchFamily="49" charset="0"/>
-            </a:endParaRPr>
-          </a:p>
-          <a:p>
-            <a:pPr marL="0" indent="0">
-              <a:buNone/>
-            </a:pPr>
-            <a:r>
-              <a:rPr lang="en-US" sz="2400" dirty="0">
-                <a:solidFill>
-                  <a:schemeClr val="tx1">
-                    <a:lumMod val="95000"/>
-                    <a:lumOff val="5000"/>
-                  </a:schemeClr>
-                </a:solidFill>
-                <a:latin typeface="Consolas" pitchFamily="49" charset="0"/>
+              <a:t>:</a:t>
+            </a:r>
+            <a:r>
+              <a:rPr lang="en-US" dirty="0" smtClean="0">
                 <a:cs typeface="Consolas" pitchFamily="49" charset="0"/>
               </a:rPr>
-              <a:t>	</a:t>
-            </a:r>
-            <a:r>
-              <a:rPr lang="en-US" sz="2400" dirty="0" smtClean="0">
-                <a:solidFill>
-                  <a:schemeClr val="tx1">
-                    <a:lumMod val="95000"/>
-                    <a:lumOff val="5000"/>
-                  </a:schemeClr>
-                </a:solidFill>
-                <a:latin typeface="Consolas" pitchFamily="49" charset="0"/>
+              <a:t> like a numerical interval, </a:t>
+            </a:r>
+          </a:p>
+          <a:p>
+            <a:pPr marL="0" indent="0">
+              <a:buNone/>
+            </a:pPr>
+            <a:r>
+              <a:rPr lang="en-US" dirty="0" smtClean="0">
                 <a:cs typeface="Consolas" pitchFamily="49" charset="0"/>
               </a:rPr>
-              <a:t>   parent-</a:t>
-            </a:r>
-            <a:r>
-              <a:rPr lang="en-US" sz="2400" dirty="0" err="1" smtClean="0">
-                <a:solidFill>
-                  <a:schemeClr val="tx1">
-                    <a:lumMod val="95000"/>
-                    <a:lumOff val="5000"/>
-                  </a:schemeClr>
-                </a:solidFill>
-                <a:latin typeface="Consolas" pitchFamily="49" charset="0"/>
-                <a:cs typeface="Consolas" pitchFamily="49" charset="0"/>
-              </a:rPr>
-              <a:t>env</a:t>
-            </a:r>
-            <a:r>
-              <a:rPr lang="en-US" sz="2400" dirty="0" smtClean="0">
-                <a:solidFill>
-                  <a:schemeClr val="tx1">
-                    <a:lumMod val="95000"/>
-                    <a:lumOff val="5000"/>
-                  </a:schemeClr>
-                </a:solidFill>
-                <a:latin typeface="Consolas" pitchFamily="49" charset="0"/>
-                <a:cs typeface="Consolas" pitchFamily="49" charset="0"/>
-              </a:rPr>
-              <a:t>)</a:t>
+              <a:t>   but the ≤ relation is based on the type lattice.</a:t>
             </a:r>
           </a:p>
           <a:p>
             <a:pPr marL="0" indent="0">
               <a:buNone/>
             </a:pPr>
-            <a:endParaRPr lang="en-US" dirty="0" smtClean="0">
-              <a:solidFill>
-                <a:schemeClr val="tx1">
-                  <a:lumMod val="95000"/>
-                  <a:lumOff val="5000"/>
-                </a:schemeClr>
-              </a:solidFill>
-              <a:latin typeface="+mj-lt"/>
-              <a:cs typeface="Consolas" pitchFamily="49" charset="0"/>
-            </a:endParaRPr>
-          </a:p>
-          <a:p>
-            <a:pPr marL="0" indent="0">
-              <a:buNone/>
-            </a:pPr>
-            <a:r>
-              <a:rPr lang="en-US" sz="2800" dirty="0" smtClean="0">
-                <a:solidFill>
-                  <a:schemeClr val="tx1">
-                    <a:lumMod val="95000"/>
-                    <a:lumOff val="5000"/>
-                  </a:schemeClr>
-                </a:solidFill>
-                <a:latin typeface="+mj-lt"/>
-                <a:cs typeface="Consolas" pitchFamily="49" charset="0"/>
-              </a:rPr>
-              <a:t>These are propagator cells holding type intervals.</a:t>
-            </a:r>
-            <a:endParaRPr lang="en-US" sz="2800" dirty="0" smtClean="0">
-              <a:solidFill>
-                <a:srgbClr val="00B0F0"/>
-              </a:solidFill>
-              <a:latin typeface="+mj-lt"/>
-              <a:cs typeface="Consolas" pitchFamily="49" charset="0"/>
-            </a:endParaRPr>
+            <a:endParaRPr lang="en-US" dirty="0"/>
           </a:p>
         </p:txBody>
       </p:sp>
     </p:spTree>
     <p:extLst>
       <p:ext uri="{BB962C8B-B14F-4D97-AF65-F5344CB8AC3E}">
-        <p14:creationId xmlns:p14="http://schemas.microsoft.com/office/powerpoint/2010/main" val="1765527609"/>
+        <p14:creationId xmlns:p14="http://schemas.microsoft.com/office/powerpoint/2010/main" val="1961270032"/>
       </p:ext>
     </p:extLst>
   </p:cSld>
@@ -3665,124 +3561,221 @@
           <a:p>
             <a:r>
               <a:rPr lang="en-US" sz="4000" dirty="0" smtClean="0"/>
-              <a:t>Evaluator Changes: </a:t>
-            </a:r>
-            <a:r>
-              <a:rPr lang="en-US" sz="4000" dirty="0" smtClean="0">
+              <a:t>Evaluator Changes: Environment</a:t>
+            </a:r>
+            <a:endParaRPr lang="en-US" sz="4000" dirty="0"/>
+          </a:p>
+        </p:txBody>
+      </p:sp>
+      <p:sp>
+        <p:nvSpPr>
+          <p:cNvPr id="3" name="Content Placeholder 2"/>
+          <p:cNvSpPr>
+            <a:spLocks noGrp="1"/>
+          </p:cNvSpPr>
+          <p:nvPr>
+            <p:ph idx="1"/>
+          </p:nvPr>
+        </p:nvSpPr>
+        <p:spPr/>
+        <p:txBody>
+          <a:bodyPr>
+            <a:normAutofit/>
+          </a:bodyPr>
+          <a:lstStyle/>
+          <a:p>
+            <a:pPr marL="0" indent="0">
+              <a:buNone/>
+            </a:pPr>
+            <a:r>
+              <a:rPr lang="en-US" sz="2800" dirty="0" smtClean="0"/>
+              <a:t>Normal environment:</a:t>
+            </a:r>
+          </a:p>
+          <a:p>
+            <a:pPr marL="0" indent="0">
+              <a:buNone/>
+            </a:pPr>
+            <a:r>
+              <a:rPr lang="en-US" dirty="0"/>
+              <a:t>	</a:t>
+            </a:r>
+            <a:r>
+              <a:rPr lang="en-US" sz="2400" dirty="0" smtClean="0">
                 <a:latin typeface="Consolas" pitchFamily="49" charset="0"/>
                 <a:cs typeface="Consolas" pitchFamily="49" charset="0"/>
               </a:rPr>
-              <a:t>type-</a:t>
-            </a:r>
-            <a:r>
-              <a:rPr lang="en-US" sz="4000" dirty="0" err="1" smtClean="0">
+              <a:t>#((x y z) (1 2 #f) parent-</a:t>
+            </a:r>
+            <a:r>
+              <a:rPr lang="en-US" sz="2400" dirty="0" err="1" smtClean="0">
                 <a:latin typeface="Consolas" pitchFamily="49" charset="0"/>
                 <a:cs typeface="Consolas" pitchFamily="49" charset="0"/>
               </a:rPr>
-              <a:t>eval</a:t>
-            </a:r>
-            <a:endParaRPr lang="en-US" sz="4000" dirty="0">
+              <a:t>env</a:t>
+            </a:r>
+            <a:r>
+              <a:rPr lang="en-US" sz="2400" dirty="0" smtClean="0">
+                <a:latin typeface="Consolas" pitchFamily="49" charset="0"/>
+                <a:cs typeface="Consolas" pitchFamily="49" charset="0"/>
+              </a:rPr>
+              <a:t>)</a:t>
+            </a:r>
+          </a:p>
+          <a:p>
+            <a:pPr marL="0" indent="0">
+              <a:buNone/>
+            </a:pPr>
+            <a:r>
+              <a:rPr lang="en-US" sz="2800" dirty="0" smtClean="0"/>
+              <a:t>Our environment:</a:t>
+            </a:r>
+          </a:p>
+          <a:p>
+            <a:pPr marL="0" indent="0">
+              <a:buNone/>
+            </a:pPr>
+            <a:r>
+              <a:rPr lang="en-US" dirty="0"/>
+              <a:t>	</a:t>
+            </a:r>
+            <a:r>
+              <a:rPr lang="en-US" sz="2400" dirty="0" smtClean="0">
+                <a:latin typeface="Consolas" pitchFamily="49" charset="0"/>
+                <a:cs typeface="Consolas" pitchFamily="49" charset="0"/>
+              </a:rPr>
+              <a:t>#((x y z) (1 2 #f) </a:t>
+            </a:r>
+          </a:p>
+          <a:p>
+            <a:pPr marL="0" indent="0">
+              <a:buNone/>
+            </a:pPr>
+            <a:r>
+              <a:rPr lang="en-US" sz="2400" dirty="0">
+                <a:solidFill>
+                  <a:srgbClr val="00B0F0"/>
+                </a:solidFill>
+                <a:latin typeface="Consolas" pitchFamily="49" charset="0"/>
+                <a:cs typeface="Consolas" pitchFamily="49" charset="0"/>
+              </a:rPr>
+              <a:t>	</a:t>
+            </a:r>
+            <a:r>
+              <a:rPr lang="en-US" sz="2400" dirty="0" smtClean="0">
+                <a:solidFill>
+                  <a:srgbClr val="00B0F0"/>
+                </a:solidFill>
+                <a:latin typeface="Consolas" pitchFamily="49" charset="0"/>
+                <a:cs typeface="Consolas" pitchFamily="49" charset="0"/>
+              </a:rPr>
+              <a:t>   (x-type-cell y-type-cell z-type-cell)</a:t>
+            </a:r>
+            <a:endParaRPr lang="en-US" sz="2400" dirty="0" smtClean="0">
+              <a:solidFill>
+                <a:schemeClr val="tx1">
+                  <a:lumMod val="95000"/>
+                  <a:lumOff val="5000"/>
+                </a:schemeClr>
+              </a:solidFill>
               <a:latin typeface="Consolas" pitchFamily="49" charset="0"/>
               <a:cs typeface="Consolas" pitchFamily="49" charset="0"/>
             </a:endParaRPr>
           </a:p>
-        </p:txBody>
-      </p:sp>
-      <p:sp>
-        <p:nvSpPr>
-          <p:cNvPr id="3" name="Content Placeholder 2"/>
-          <p:cNvSpPr>
-            <a:spLocks noGrp="1"/>
-          </p:cNvSpPr>
-          <p:nvPr>
-            <p:ph idx="1"/>
-          </p:nvPr>
-        </p:nvSpPr>
-        <p:spPr/>
-        <p:txBody>
-          <a:bodyPr>
-            <a:normAutofit/>
-          </a:bodyPr>
-          <a:lstStyle/>
-          <a:p>
-            <a:r>
-              <a:rPr lang="en-US" dirty="0" smtClean="0">
-                <a:cs typeface="Consolas" pitchFamily="49" charset="0"/>
-              </a:rPr>
-              <a:t>Takes an expression and environment</a:t>
-            </a:r>
-          </a:p>
-          <a:p>
-            <a:r>
-              <a:rPr lang="en-US" dirty="0" smtClean="0">
-                <a:cs typeface="Consolas" pitchFamily="49" charset="0"/>
-              </a:rPr>
-              <a:t>Returns a propagator cell</a:t>
-            </a:r>
-          </a:p>
-          <a:p>
-            <a:pPr lvl="1"/>
-            <a:r>
-              <a:rPr lang="en-US" dirty="0" smtClean="0">
-                <a:cs typeface="Consolas" pitchFamily="49" charset="0"/>
-              </a:rPr>
-              <a:t>Holds the type of the output of the expression</a:t>
-            </a:r>
-          </a:p>
-          <a:p>
-            <a:pPr lvl="1"/>
-            <a:r>
-              <a:rPr lang="en-US" dirty="0" smtClean="0">
-                <a:cs typeface="Consolas" pitchFamily="49" charset="0"/>
-              </a:rPr>
-              <a:t>Is hooked up to other type cells via constraints</a:t>
-            </a:r>
-          </a:p>
           <a:p>
             <a:pPr marL="0" indent="0">
               <a:buNone/>
             </a:pPr>
-            <a:endParaRPr lang="en-US" dirty="0">
-              <a:cs typeface="Consolas" pitchFamily="49" charset="0"/>
-            </a:endParaRPr>
-          </a:p>
-          <a:p>
-            <a:pPr marL="0" indent="0">
-              <a:buNone/>
-            </a:pPr>
-            <a:r>
-              <a:rPr lang="en-US" dirty="0" smtClean="0">
+            <a:r>
+              <a:rPr lang="en-US" sz="2400" dirty="0">
+                <a:solidFill>
+                  <a:schemeClr val="tx1">
+                    <a:lumMod val="95000"/>
+                    <a:lumOff val="5000"/>
+                  </a:schemeClr>
+                </a:solidFill>
                 <a:latin typeface="Consolas" pitchFamily="49" charset="0"/>
                 <a:cs typeface="Consolas" pitchFamily="49" charset="0"/>
               </a:rPr>
-              <a:t>(type-</a:t>
-            </a:r>
-            <a:r>
-              <a:rPr lang="en-US" dirty="0" err="1" smtClean="0">
+              <a:t>	</a:t>
+            </a:r>
+            <a:r>
+              <a:rPr lang="en-US" sz="2400" dirty="0" smtClean="0">
+                <a:solidFill>
+                  <a:schemeClr val="tx1">
+                    <a:lumMod val="95000"/>
+                    <a:lumOff val="5000"/>
+                  </a:schemeClr>
+                </a:solidFill>
                 <a:latin typeface="Consolas" pitchFamily="49" charset="0"/>
                 <a:cs typeface="Consolas" pitchFamily="49" charset="0"/>
               </a:rPr>
-              <a:t>eval</a:t>
-            </a:r>
-            <a:r>
-              <a:rPr lang="en-US" dirty="0" smtClean="0">
+              <a:t>   parent-</a:t>
+            </a:r>
+            <a:r>
+              <a:rPr lang="en-US" sz="2400" dirty="0" err="1" smtClean="0">
+                <a:solidFill>
+                  <a:schemeClr val="tx1">
+                    <a:lumMod val="95000"/>
+                    <a:lumOff val="5000"/>
+                  </a:schemeClr>
+                </a:solidFill>
                 <a:latin typeface="Consolas" pitchFamily="49" charset="0"/>
                 <a:cs typeface="Consolas" pitchFamily="49" charset="0"/>
               </a:rPr>
-              <a:t> '(+ 3 4) environment)</a:t>
-            </a:r>
-          </a:p>
-          <a:p>
-            <a:pPr marL="0" indent="0">
-              <a:buNone/>
-            </a:pPr>
-            <a:r>
-              <a:rPr lang="en-US" sz="2800" dirty="0" smtClean="0">
+              <a:t>env</a:t>
+            </a:r>
+            <a:r>
+              <a:rPr lang="en-US" sz="2400" dirty="0" smtClean="0">
+                <a:solidFill>
+                  <a:schemeClr val="tx1">
+                    <a:lumMod val="95000"/>
+                    <a:lumOff val="5000"/>
+                  </a:schemeClr>
+                </a:solidFill>
+                <a:latin typeface="Consolas" pitchFamily="49" charset="0"/>
                 <a:cs typeface="Consolas" pitchFamily="49" charset="0"/>
               </a:rPr>
-              <a:t>&gt; type cell constrained ≤ the return type of +</a:t>
-            </a:r>
-            <a:endParaRPr lang="en-US" sz="2800" dirty="0">
+              <a:t>)</a:t>
+            </a:r>
+          </a:p>
+          <a:p>
+            <a:pPr marL="0" indent="0">
+              <a:buNone/>
+            </a:pPr>
+            <a:endParaRPr lang="en-US" dirty="0" smtClean="0">
+              <a:solidFill>
+                <a:schemeClr val="tx1">
+                  <a:lumMod val="95000"/>
+                  <a:lumOff val="5000"/>
+                </a:schemeClr>
+              </a:solidFill>
+              <a:latin typeface="+mj-lt"/>
+              <a:cs typeface="Consolas" pitchFamily="49" charset="0"/>
+            </a:endParaRPr>
+          </a:p>
+          <a:p>
+            <a:pPr marL="0" indent="0">
+              <a:buNone/>
+            </a:pPr>
+            <a:r>
+              <a:rPr lang="en-US" sz="2800" dirty="0" smtClean="0">
+                <a:solidFill>
+                  <a:schemeClr val="tx1">
+                    <a:lumMod val="95000"/>
+                    <a:lumOff val="5000"/>
+                  </a:schemeClr>
+                </a:solidFill>
+                <a:latin typeface="+mj-lt"/>
+                <a:cs typeface="Consolas" pitchFamily="49" charset="0"/>
+              </a:rPr>
+              <a:t>These are propagator cells holding type intervals.</a:t>
+            </a:r>
+            <a:endParaRPr lang="en-US" sz="2800" dirty="0" smtClean="0">
+              <a:solidFill>
+                <a:srgbClr val="00B0F0"/>
+              </a:solidFill>
+              <a:latin typeface="+mj-lt"/>
               <a:cs typeface="Consolas" pitchFamily="49" charset="0"/>
             </a:endParaRPr>
           </a:p>
@@ -3791,7 +3784,7 @@
     </p:spTree>
     <p:extLst>
       <p:ext uri="{BB962C8B-B14F-4D97-AF65-F5344CB8AC3E}">
-        <p14:creationId xmlns:p14="http://schemas.microsoft.com/office/powerpoint/2010/main" val="289018695"/>
+        <p14:creationId xmlns:p14="http://schemas.microsoft.com/office/powerpoint/2010/main" val="1765527609"/>
       </p:ext>
     </p:extLst>
   </p:cSld>
@@ -4082,132 +4075,136 @@
         </p:nvSpPr>
         <p:spPr/>
         <p:txBody>
-          <a:bodyPr/>
-          <a:lstStyle/>
-          <a:p>
-            <a:r>
-              <a:rPr lang="en-US" dirty="0" smtClean="0"/>
-              <a:t>Type Cells</a:t>
-            </a:r>
-            <a:endParaRPr lang="en-US" dirty="0"/>
-          </a:p>
-        </p:txBody>
-      </p:sp>
-      <p:sp>
-        <p:nvSpPr>
-          <p:cNvPr id="3" name="Content Placeholder 2"/>
-          <p:cNvSpPr>
-            <a:spLocks noGrp="1"/>
-          </p:cNvSpPr>
-          <p:nvPr>
-            <p:ph idx="1"/>
-          </p:nvPr>
-        </p:nvSpPr>
-        <p:spPr/>
-        <p:txBody>
-          <a:bodyPr/>
-          <a:lstStyle/>
-          <a:p>
-            <a:r>
-              <a:rPr lang="en-US" dirty="0" smtClean="0"/>
-              <a:t>Normal case: cell holds </a:t>
-            </a:r>
-            <a:r>
-              <a:rPr lang="en-US" dirty="0" smtClean="0">
-                <a:solidFill>
-                  <a:srgbClr val="00B0F0"/>
-                </a:solidFill>
-              </a:rPr>
-              <a:t>type interval</a:t>
-            </a:r>
-            <a:r>
-              <a:rPr lang="en-US" dirty="0" smtClean="0"/>
-              <a:t> directly</a:t>
-            </a:r>
-            <a:endParaRPr lang="en-US" dirty="0"/>
-          </a:p>
-          <a:p>
-            <a:r>
-              <a:rPr lang="en-US" dirty="0" smtClean="0"/>
-              <a:t>Procedure: cell holds </a:t>
-            </a:r>
-          </a:p>
-          <a:p>
-            <a:pPr marL="457200" lvl="1" indent="0">
-              <a:buNone/>
-            </a:pPr>
-            <a:r>
-              <a:rPr lang="en-US" sz="2400" dirty="0">
+          <a:bodyPr>
+            <a:normAutofit/>
+          </a:bodyPr>
+          <a:lstStyle/>
+          <a:p>
+            <a:r>
+              <a:rPr lang="en-US" sz="4000" dirty="0" smtClean="0">
                 <a:latin typeface="Consolas" pitchFamily="49" charset="0"/>
                 <a:cs typeface="Consolas" pitchFamily="49" charset="0"/>
               </a:rPr>
-              <a:t> </a:t>
-            </a:r>
-            <a:r>
-              <a:rPr lang="en-US" sz="2400" dirty="0" smtClean="0">
+              <a:t>type-</a:t>
+            </a:r>
+            <a:r>
+              <a:rPr lang="en-US" sz="4000" dirty="0" err="1" smtClean="0">
                 <a:latin typeface="Consolas" pitchFamily="49" charset="0"/>
                 <a:cs typeface="Consolas" pitchFamily="49" charset="0"/>
               </a:rPr>
-              <a:t>          (input-cells . output-cell)</a:t>
-            </a:r>
-          </a:p>
-          <a:p>
-            <a:pPr marL="0" indent="0">
-              <a:buNone/>
-            </a:pPr>
-            <a:endParaRPr lang="en-US" dirty="0" smtClean="0">
+              <a:t>eval</a:t>
+            </a:r>
+            <a:endParaRPr lang="en-US" sz="4000" dirty="0">
+              <a:latin typeface="Consolas" pitchFamily="49" charset="0"/>
               <a:cs typeface="Consolas" pitchFamily="49" charset="0"/>
             </a:endParaRPr>
           </a:p>
-          <a:p>
-            <a:pPr marL="0" indent="0">
-              <a:buNone/>
-            </a:pPr>
-            <a:r>
-              <a:rPr lang="en-US" dirty="0" smtClean="0">
-                <a:solidFill>
-                  <a:srgbClr val="00B0F0"/>
-                </a:solidFill>
-                <a:cs typeface="Consolas" pitchFamily="49" charset="0"/>
-              </a:rPr>
-              <a:t>type interval</a:t>
-            </a:r>
-            <a:r>
-              <a:rPr lang="en-US" dirty="0">
-                <a:cs typeface="Consolas" pitchFamily="49" charset="0"/>
-              </a:rPr>
-              <a:t>:</a:t>
-            </a:r>
+        </p:txBody>
+      </p:sp>
+      <p:sp>
+        <p:nvSpPr>
+          <p:cNvPr id="3" name="Content Placeholder 2"/>
+          <p:cNvSpPr>
+            <a:spLocks noGrp="1"/>
+          </p:cNvSpPr>
+          <p:nvPr>
+            <p:ph idx="1"/>
+          </p:nvPr>
+        </p:nvSpPr>
+        <p:spPr/>
+        <p:txBody>
+          <a:bodyPr>
+            <a:normAutofit/>
+          </a:bodyPr>
+          <a:lstStyle/>
+          <a:p>
             <a:r>
               <a:rPr lang="en-US" dirty="0" smtClean="0">
                 <a:cs typeface="Consolas" pitchFamily="49" charset="0"/>
               </a:rPr>
-              <a:t> like a numerical interval, </a:t>
-            </a:r>
-          </a:p>
-          <a:p>
-            <a:pPr marL="0" indent="0">
-              <a:buNone/>
-            </a:pPr>
+              <a:t>Takes an expression and environment</a:t>
+            </a:r>
+          </a:p>
+          <a:p>
             <a:r>
               <a:rPr lang="en-US" dirty="0" smtClean="0">
                 <a:cs typeface="Consolas" pitchFamily="49" charset="0"/>
               </a:rPr>
-              <a:t>   but the ≤ relation is based on the type lattice.</a:t>
+              <a:t>Returns a propagator cell</a:t>
+            </a:r>
+          </a:p>
+          <a:p>
+            <a:pPr lvl="1"/>
+            <a:r>
+              <a:rPr lang="en-US" dirty="0" smtClean="0">
+                <a:cs typeface="Consolas" pitchFamily="49" charset="0"/>
+              </a:rPr>
+              <a:t>Holds the type of the output of the expression</a:t>
+            </a:r>
+          </a:p>
+          <a:p>
+            <a:pPr lvl="1"/>
+            <a:r>
+              <a:rPr lang="en-US" dirty="0" smtClean="0">
+                <a:cs typeface="Consolas" pitchFamily="49" charset="0"/>
+              </a:rPr>
+              <a:t>Is hooked up to other type cells via constraints</a:t>
             </a:r>
           </a:p>
           <a:p>
             <a:pPr marL="0" indent="0">
               <a:buNone/>
             </a:pPr>
-            <a:endParaRPr lang="en-US" dirty="0"/>
+            <a:endParaRPr lang="en-US" dirty="0">
+              <a:cs typeface="Consolas" pitchFamily="49" charset="0"/>
+            </a:endParaRPr>
+          </a:p>
+          <a:p>
+            <a:pPr marL="0" indent="0">
+              <a:buNone/>
+            </a:pPr>
+            <a:r>
+              <a:rPr lang="en-US" dirty="0" smtClean="0">
+                <a:latin typeface="Consolas" pitchFamily="49" charset="0"/>
+                <a:cs typeface="Consolas" pitchFamily="49" charset="0"/>
+              </a:rPr>
+              <a:t>(type-</a:t>
+            </a:r>
+            <a:r>
+              <a:rPr lang="en-US" dirty="0" err="1" smtClean="0">
+                <a:latin typeface="Consolas" pitchFamily="49" charset="0"/>
+                <a:cs typeface="Consolas" pitchFamily="49" charset="0"/>
+              </a:rPr>
+              <a:t>eval</a:t>
+            </a:r>
+            <a:r>
+              <a:rPr lang="en-US" dirty="0" smtClean="0">
+                <a:latin typeface="Consolas" pitchFamily="49" charset="0"/>
+                <a:cs typeface="Consolas" pitchFamily="49" charset="0"/>
+              </a:rPr>
+              <a:t> '(+ 3 4) environment)</a:t>
+            </a:r>
+          </a:p>
+          <a:p>
+            <a:pPr marL="0" indent="0">
+              <a:buNone/>
+            </a:pPr>
+            <a:r>
+              <a:rPr lang="en-US" sz="2800" dirty="0" smtClean="0">
+                <a:cs typeface="Consolas" pitchFamily="49" charset="0"/>
+              </a:rPr>
+              <a:t>&gt; type cell constrained ≤ the return type of +</a:t>
+            </a:r>
+            <a:endParaRPr lang="en-US" sz="2800" dirty="0">
+              <a:cs typeface="Consolas" pitchFamily="49" charset="0"/>
+            </a:endParaRPr>
           </a:p>
         </p:txBody>
       </p:sp>
     </p:spTree>
     <p:extLst>
       <p:ext uri="{BB962C8B-B14F-4D97-AF65-F5344CB8AC3E}">
-        <p14:creationId xmlns:p14="http://schemas.microsoft.com/office/powerpoint/2010/main" val="1961270032"/>
+        <p14:creationId xmlns:p14="http://schemas.microsoft.com/office/powerpoint/2010/main" val="289018695"/>
       </p:ext>
     </p:extLst>
   </p:cSld>
@@ -4218,6 +4215,157 @@
 </file>
 
 <file path=ppt/slides/slide8.xml><?xml version="1.0" encoding="utf-8"?>
+<p:sld xmlns:a="http://schemas.openxmlformats.org/drawingml/2006/main" xmlns:r="http://schemas.openxmlformats.org/officeDocument/2006/relationships" xmlns:p="http://schemas.openxmlformats.org/presentationml/2006/main">
+  <p:cSld>
+    <p:spTree>
+      <p:nvGrpSpPr>
+        <p:cNvPr id="1" name=""/>
+        <p:cNvGrpSpPr/>
+        <p:nvPr/>
+      </p:nvGrpSpPr>
+      <p:grpSpPr>
+        <a:xfrm>
+          <a:off x="0" y="0"/>
+          <a:ext cx="0" cy="0"/>
+          <a:chOff x="0" y="0"/>
+          <a:chExt cx="0" cy="0"/>
+        </a:xfrm>
+      </p:grpSpPr>
+      <p:sp>
+        <p:nvSpPr>
+          <p:cNvPr id="2" name="Title 1"/>
+          <p:cNvSpPr>
+            <a:spLocks noGrp="1"/>
+          </p:cNvSpPr>
+          <p:nvPr>
+            <p:ph type="title"/>
+          </p:nvPr>
+        </p:nvSpPr>
+        <p:spPr/>
+        <p:txBody>
+          <a:bodyPr>
+            <a:normAutofit/>
+          </a:bodyPr>
+          <a:lstStyle/>
+          <a:p>
+            <a:r>
+              <a:rPr lang="en-US" sz="4000" dirty="0" smtClean="0">
+                <a:latin typeface="Consolas" pitchFamily="49" charset="0"/>
+                <a:cs typeface="Consolas" pitchFamily="49" charset="0"/>
+              </a:rPr>
+              <a:t>type-apply</a:t>
+            </a:r>
+            <a:endParaRPr lang="en-US" sz="4000" dirty="0"/>
+          </a:p>
+        </p:txBody>
+      </p:sp>
+      <p:sp>
+        <p:nvSpPr>
+          <p:cNvPr id="3" name="Content Placeholder 2"/>
+          <p:cNvSpPr>
+            <a:spLocks noGrp="1"/>
+          </p:cNvSpPr>
+          <p:nvPr>
+            <p:ph idx="1"/>
+          </p:nvPr>
+        </p:nvSpPr>
+        <p:spPr/>
+        <p:txBody>
+          <a:bodyPr>
+            <a:normAutofit/>
+          </a:bodyPr>
+          <a:lstStyle/>
+          <a:p>
+            <a:r>
+              <a:rPr lang="en-US" dirty="0" smtClean="0"/>
+              <a:t>2 </a:t>
+            </a:r>
+            <a:r>
+              <a:rPr lang="en-US" dirty="0"/>
+              <a:t>kinds of </a:t>
+            </a:r>
+            <a:r>
+              <a:rPr lang="en-US" dirty="0" smtClean="0"/>
+              <a:t>procedures</a:t>
+            </a:r>
+          </a:p>
+          <a:p>
+            <a:pPr lvl="1"/>
+            <a:r>
+              <a:rPr lang="en-US" dirty="0" smtClean="0"/>
+              <a:t>Primitive procedures</a:t>
+            </a:r>
+          </a:p>
+          <a:p>
+            <a:pPr lvl="1"/>
+            <a:r>
+              <a:rPr lang="en-US" dirty="0" smtClean="0"/>
+              <a:t>Compound </a:t>
+            </a:r>
+            <a:r>
+              <a:rPr lang="en-US" dirty="0"/>
+              <a:t>procedures (starting as </a:t>
+            </a:r>
+            <a:r>
+              <a:rPr lang="en-US" dirty="0" err="1"/>
+              <a:t>unbuilt</a:t>
+            </a:r>
+            <a:r>
+              <a:rPr lang="en-US" dirty="0"/>
+              <a:t>-procedures)</a:t>
+            </a:r>
+          </a:p>
+          <a:p>
+            <a:r>
+              <a:rPr lang="en-US" dirty="0" smtClean="0"/>
+              <a:t>Type-apply</a:t>
+            </a:r>
+          </a:p>
+          <a:p>
+            <a:pPr lvl="1"/>
+            <a:r>
+              <a:rPr lang="en-US" dirty="0" smtClean="0"/>
+              <a:t>Builds </a:t>
+            </a:r>
+            <a:r>
+              <a:rPr lang="en-US" dirty="0"/>
+              <a:t>procedure </a:t>
+            </a:r>
+            <a:r>
+              <a:rPr lang="en-US" dirty="0" smtClean="0"/>
+              <a:t>type</a:t>
+            </a:r>
+          </a:p>
+          <a:p>
+            <a:pPr lvl="1"/>
+            <a:r>
+              <a:rPr lang="en-US" dirty="0" smtClean="0"/>
+              <a:t>Constrains </a:t>
+            </a:r>
+            <a:r>
+              <a:rPr lang="en-US" dirty="0"/>
+              <a:t>input types, returns output type</a:t>
+            </a:r>
+          </a:p>
+          <a:p>
+            <a:endParaRPr lang="en-US" dirty="0"/>
+          </a:p>
+        </p:txBody>
+      </p:sp>
+    </p:spTree>
+    <p:extLst>
+      <p:ext uri="{BB962C8B-B14F-4D97-AF65-F5344CB8AC3E}">
+        <p14:creationId xmlns:p14="http://schemas.microsoft.com/office/powerpoint/2010/main" val="286671963"/>
+      </p:ext>
+    </p:extLst>
+  </p:cSld>
+  <p:clrMapOvr>
+    <a:masterClrMapping/>
+  </p:clrMapOvr>
+</p:sld>
+</file>
+
+<file path=ppt/slides/slide9.xml><?xml version="1.0" encoding="utf-8"?>
 <p:sld xmlns:a="http://schemas.openxmlformats.org/drawingml/2006/main" xmlns:r="http://schemas.openxmlformats.org/officeDocument/2006/relationships" xmlns:p="http://schemas.openxmlformats.org/presentationml/2006/main">
   <p:cSld>
     <p:spTree>
